--- a/9. 기타 컴퓨터 관련 지식/J103_Datavis.pptx
+++ b/9. 기타 컴퓨터 관련 지식/J103_Datavis.pptx
@@ -8,24 +8,27 @@
     <p:sldId id="256" r:id="rId2"/>
     <p:sldId id="258" r:id="rId3"/>
     <p:sldId id="257" r:id="rId4"/>
-    <p:sldId id="259" r:id="rId5"/>
-    <p:sldId id="261" r:id="rId6"/>
-    <p:sldId id="262" r:id="rId7"/>
-    <p:sldId id="263" r:id="rId8"/>
-    <p:sldId id="264" r:id="rId9"/>
-    <p:sldId id="277" r:id="rId10"/>
-    <p:sldId id="265" r:id="rId11"/>
-    <p:sldId id="266" r:id="rId12"/>
-    <p:sldId id="267" r:id="rId13"/>
-    <p:sldId id="268" r:id="rId14"/>
-    <p:sldId id="269" r:id="rId15"/>
-    <p:sldId id="270" r:id="rId16"/>
-    <p:sldId id="271" r:id="rId17"/>
-    <p:sldId id="272" r:id="rId18"/>
-    <p:sldId id="273" r:id="rId19"/>
-    <p:sldId id="274" r:id="rId20"/>
-    <p:sldId id="275" r:id="rId21"/>
-    <p:sldId id="276" r:id="rId22"/>
+    <p:sldId id="280" r:id="rId5"/>
+    <p:sldId id="259" r:id="rId6"/>
+    <p:sldId id="261" r:id="rId7"/>
+    <p:sldId id="278" r:id="rId8"/>
+    <p:sldId id="279" r:id="rId9"/>
+    <p:sldId id="262" r:id="rId10"/>
+    <p:sldId id="263" r:id="rId11"/>
+    <p:sldId id="264" r:id="rId12"/>
+    <p:sldId id="265" r:id="rId13"/>
+    <p:sldId id="266" r:id="rId14"/>
+    <p:sldId id="267" r:id="rId15"/>
+    <p:sldId id="268" r:id="rId16"/>
+    <p:sldId id="269" r:id="rId17"/>
+    <p:sldId id="270" r:id="rId18"/>
+    <p:sldId id="271" r:id="rId19"/>
+    <p:sldId id="272" r:id="rId20"/>
+    <p:sldId id="273" r:id="rId21"/>
+    <p:sldId id="274" r:id="rId22"/>
+    <p:sldId id="275" r:id="rId23"/>
+    <p:sldId id="277" r:id="rId24"/>
+    <p:sldId id="276" r:id="rId25"/>
   </p:sldIdLst>
   <p:sldSz cx="12192000" cy="6858000"/>
   <p:notesSz cx="6858000" cy="9144000"/>
@@ -124,6 +127,11 @@
       </a:defRPr>
     </a:lvl9pPr>
   </p:defaultTextStyle>
+  <p:extLst>
+    <p:ext uri="{EFAFB233-063F-42B5-8137-9DF3F51BA10A}">
+      <p15:sldGuideLst xmlns:p15="http://schemas.microsoft.com/office/powerpoint/2012/main"/>
+    </p:ext>
+  </p:extLst>
 </p:presentation>
 </file>
 
@@ -3473,10 +3481,10 @@
       </p:grpSpPr>
       <p:pic>
         <p:nvPicPr>
-          <p:cNvPr id="2" name="그림 1">
-            <a:extLst>
-              <a:ext uri="{FF2B5EF4-FFF2-40B4-BE49-F238E27FC236}">
-                <a16:creationId xmlns:a16="http://schemas.microsoft.com/office/drawing/2014/main" id="{59C6F525-640C-4F7B-9090-0F76853BC81A}"/>
+          <p:cNvPr id="4" name="그림 3">
+            <a:extLst>
+              <a:ext uri="{FF2B5EF4-FFF2-40B4-BE49-F238E27FC236}">
+                <a16:creationId xmlns:a16="http://schemas.microsoft.com/office/drawing/2014/main" id="{BF3B73F9-E41A-4DED-84D1-B6027625C188}"/>
               </a:ext>
             </a:extLst>
           </p:cNvPr>
@@ -3486,25 +3494,123 @@
           <p:nvPr/>
         </p:nvPicPr>
         <p:blipFill>
-          <a:blip r:embed="rId2"/>
+          <a:blip r:embed="rId2">
+            <a:extLst>
+              <a:ext uri="{28A0092B-C50C-407E-A947-70E740481C1C}">
+                <a14:useLocalDpi xmlns:a14="http://schemas.microsoft.com/office/drawing/2010/main" val="0"/>
+              </a:ext>
+            </a:extLst>
+          </a:blip>
           <a:stretch>
             <a:fillRect/>
           </a:stretch>
         </p:blipFill>
         <p:spPr>
           <a:xfrm>
-            <a:off x="4086225" y="1452562"/>
-            <a:ext cx="4019550" cy="3952875"/>
+            <a:off x="2642705" y="1461813"/>
+            <a:ext cx="6906589" cy="3934374"/>
           </a:xfrm>
           <a:prstGeom prst="rect">
             <a:avLst/>
           </a:prstGeom>
         </p:spPr>
       </p:pic>
+      <p:sp>
+        <p:nvSpPr>
+          <p:cNvPr id="6" name="화살표: 위쪽 5">
+            <a:extLst>
+              <a:ext uri="{FF2B5EF4-FFF2-40B4-BE49-F238E27FC236}">
+                <a16:creationId xmlns:a16="http://schemas.microsoft.com/office/drawing/2014/main" id="{6017476C-B427-4137-8B14-58B563BCD955}"/>
+              </a:ext>
+            </a:extLst>
+          </p:cNvPr>
+          <p:cNvSpPr/>
+          <p:nvPr/>
+        </p:nvSpPr>
+        <p:spPr>
+          <a:xfrm>
+            <a:off x="1686187" y="1397831"/>
+            <a:ext cx="310393" cy="4062337"/>
+          </a:xfrm>
+          <a:prstGeom prst="upArrow">
+            <a:avLst/>
+          </a:prstGeom>
+          <a:noFill/>
+          <a:ln>
+            <a:solidFill>
+              <a:schemeClr val="tx1"/>
+            </a:solidFill>
+          </a:ln>
+        </p:spPr>
+        <p:style>
+          <a:lnRef idx="2">
+            <a:schemeClr val="accent1">
+              <a:shade val="50000"/>
+            </a:schemeClr>
+          </a:lnRef>
+          <a:fillRef idx="1">
+            <a:schemeClr val="accent1"/>
+          </a:fillRef>
+          <a:effectRef idx="0">
+            <a:schemeClr val="accent1"/>
+          </a:effectRef>
+          <a:fontRef idx="minor">
+            <a:schemeClr val="lt1"/>
+          </a:fontRef>
+        </p:style>
+        <p:txBody>
+          <a:bodyPr rtlCol="0" anchor="ctr"/>
+          <a:lstStyle/>
+          <a:p>
+            <a:pPr algn="ctr"/>
+            <a:endParaRPr lang="ko-KR" altLang="en-US"/>
+          </a:p>
+        </p:txBody>
+      </p:sp>
+      <p:sp>
+        <p:nvSpPr>
+          <p:cNvPr id="8" name="TextBox 7">
+            <a:extLst>
+              <a:ext uri="{FF2B5EF4-FFF2-40B4-BE49-F238E27FC236}">
+                <a16:creationId xmlns:a16="http://schemas.microsoft.com/office/drawing/2014/main" id="{2AF9F20B-699A-4C65-86F7-95D019E350B2}"/>
+              </a:ext>
+            </a:extLst>
+          </p:cNvPr>
+          <p:cNvSpPr txBox="1"/>
+          <p:nvPr/>
+        </p:nvSpPr>
+        <p:spPr>
+          <a:xfrm>
+            <a:off x="1092915" y="5057633"/>
+            <a:ext cx="1186543" cy="338554"/>
+          </a:xfrm>
+          <a:prstGeom prst="rect">
+            <a:avLst/>
+          </a:prstGeom>
+          <a:noFill/>
+        </p:spPr>
+        <p:txBody>
+          <a:bodyPr wrap="square" rtlCol="0">
+            <a:spAutoFit/>
+          </a:bodyPr>
+          <a:lstStyle/>
+          <a:p>
+            <a:r>
+              <a:rPr lang="en-US" altLang="ko-KR" sz="1600" dirty="0">
+                <a:latin typeface="Californian FB" panose="0207040306080B030204" pitchFamily="18" charset="0"/>
+              </a:rPr>
+              <a:t>JND</a:t>
+            </a:r>
+            <a:endParaRPr lang="ko-KR" altLang="en-US" sz="1600" dirty="0">
+              <a:latin typeface="Californian FB" panose="0207040306080B030204" pitchFamily="18" charset="0"/>
+            </a:endParaRPr>
+          </a:p>
+        </p:txBody>
+      </p:sp>
     </p:spTree>
     <p:extLst>
       <p:ext uri="{BB962C8B-B14F-4D97-AF65-F5344CB8AC3E}">
-        <p14:creationId xmlns:p14="http://schemas.microsoft.com/office/powerpoint/2010/main" val="2582645203"/>
+        <p14:creationId xmlns:p14="http://schemas.microsoft.com/office/powerpoint/2010/main" val="3668952070"/>
       </p:ext>
     </p:extLst>
   </p:cSld>
@@ -3533,10 +3639,10 @@
       </p:grpSpPr>
       <p:pic>
         <p:nvPicPr>
-          <p:cNvPr id="2" name="그림 1">
-            <a:extLst>
-              <a:ext uri="{FF2B5EF4-FFF2-40B4-BE49-F238E27FC236}">
-                <a16:creationId xmlns:a16="http://schemas.microsoft.com/office/drawing/2014/main" id="{BBDE1641-7DCD-4933-A9A9-90D60071BA19}"/>
+          <p:cNvPr id="4" name="그림 3">
+            <a:extLst>
+              <a:ext uri="{FF2B5EF4-FFF2-40B4-BE49-F238E27FC236}">
+                <a16:creationId xmlns:a16="http://schemas.microsoft.com/office/drawing/2014/main" id="{BF3B73F9-E41A-4DED-84D1-B6027625C188}"/>
               </a:ext>
             </a:extLst>
           </p:cNvPr>
@@ -3546,25 +3652,279 @@
           <p:nvPr/>
         </p:nvPicPr>
         <p:blipFill>
-          <a:blip r:embed="rId2"/>
+          <a:blip r:embed="rId2">
+            <a:extLst>
+              <a:ext uri="{28A0092B-C50C-407E-A947-70E740481C1C}">
+                <a14:useLocalDpi xmlns:a14="http://schemas.microsoft.com/office/drawing/2010/main" val="0"/>
+              </a:ext>
+            </a:extLst>
+          </a:blip>
           <a:stretch>
             <a:fillRect/>
           </a:stretch>
         </p:blipFill>
         <p:spPr>
           <a:xfrm>
-            <a:off x="4057650" y="1314450"/>
-            <a:ext cx="4076700" cy="4229100"/>
+            <a:off x="2642705" y="1461813"/>
+            <a:ext cx="6906589" cy="3934374"/>
           </a:xfrm>
           <a:prstGeom prst="rect">
             <a:avLst/>
           </a:prstGeom>
         </p:spPr>
       </p:pic>
+      <p:sp>
+        <p:nvSpPr>
+          <p:cNvPr id="2" name="직사각형 1">
+            <a:extLst>
+              <a:ext uri="{FF2B5EF4-FFF2-40B4-BE49-F238E27FC236}">
+                <a16:creationId xmlns:a16="http://schemas.microsoft.com/office/drawing/2014/main" id="{8D130595-9DA6-497D-ABD2-367F7E882C12}"/>
+              </a:ext>
+            </a:extLst>
+          </p:cNvPr>
+          <p:cNvSpPr/>
+          <p:nvPr/>
+        </p:nvSpPr>
+        <p:spPr>
+          <a:xfrm>
+            <a:off x="2642532" y="3699545"/>
+            <a:ext cx="2449585" cy="620785"/>
+          </a:xfrm>
+          <a:prstGeom prst="rect">
+            <a:avLst/>
+          </a:prstGeom>
+          <a:noFill/>
+          <a:ln w="57150">
+            <a:solidFill>
+              <a:srgbClr val="FF0000"/>
+            </a:solidFill>
+          </a:ln>
+        </p:spPr>
+        <p:style>
+          <a:lnRef idx="2">
+            <a:schemeClr val="accent1">
+              <a:shade val="50000"/>
+            </a:schemeClr>
+          </a:lnRef>
+          <a:fillRef idx="1">
+            <a:schemeClr val="accent1"/>
+          </a:fillRef>
+          <a:effectRef idx="0">
+            <a:schemeClr val="accent1"/>
+          </a:effectRef>
+          <a:fontRef idx="minor">
+            <a:schemeClr val="lt1"/>
+          </a:fontRef>
+        </p:style>
+        <p:txBody>
+          <a:bodyPr rtlCol="0" anchor="ctr"/>
+          <a:lstStyle/>
+          <a:p>
+            <a:pPr algn="ctr"/>
+            <a:endParaRPr lang="ko-KR" altLang="en-US"/>
+          </a:p>
+        </p:txBody>
+      </p:sp>
+      <p:sp>
+        <p:nvSpPr>
+          <p:cNvPr id="5" name="직사각형 4">
+            <a:extLst>
+              <a:ext uri="{FF2B5EF4-FFF2-40B4-BE49-F238E27FC236}">
+                <a16:creationId xmlns:a16="http://schemas.microsoft.com/office/drawing/2014/main" id="{E8E04470-02CC-4373-AF83-D3E0341ABE0D}"/>
+              </a:ext>
+            </a:extLst>
+          </p:cNvPr>
+          <p:cNvSpPr/>
+          <p:nvPr/>
+        </p:nvSpPr>
+        <p:spPr>
+          <a:xfrm>
+            <a:off x="4974672" y="2374084"/>
+            <a:ext cx="2449585" cy="620785"/>
+          </a:xfrm>
+          <a:prstGeom prst="rect">
+            <a:avLst/>
+          </a:prstGeom>
+          <a:noFill/>
+          <a:ln w="57150">
+            <a:solidFill>
+              <a:srgbClr val="FF0000"/>
+            </a:solidFill>
+          </a:ln>
+        </p:spPr>
+        <p:style>
+          <a:lnRef idx="2">
+            <a:schemeClr val="accent1">
+              <a:shade val="50000"/>
+            </a:schemeClr>
+          </a:lnRef>
+          <a:fillRef idx="1">
+            <a:schemeClr val="accent1"/>
+          </a:fillRef>
+          <a:effectRef idx="0">
+            <a:schemeClr val="accent1"/>
+          </a:effectRef>
+          <a:fontRef idx="minor">
+            <a:schemeClr val="lt1"/>
+          </a:fontRef>
+        </p:style>
+        <p:txBody>
+          <a:bodyPr rtlCol="0" anchor="ctr"/>
+          <a:lstStyle/>
+          <a:p>
+            <a:pPr algn="ctr"/>
+            <a:endParaRPr lang="ko-KR" altLang="en-US"/>
+          </a:p>
+        </p:txBody>
+      </p:sp>
+      <p:sp>
+        <p:nvSpPr>
+          <p:cNvPr id="6" name="직사각형 5">
+            <a:extLst>
+              <a:ext uri="{FF2B5EF4-FFF2-40B4-BE49-F238E27FC236}">
+                <a16:creationId xmlns:a16="http://schemas.microsoft.com/office/drawing/2014/main" id="{82672233-4B14-4BCD-93EC-81F890F432A4}"/>
+              </a:ext>
+            </a:extLst>
+          </p:cNvPr>
+          <p:cNvSpPr/>
+          <p:nvPr/>
+        </p:nvSpPr>
+        <p:spPr>
+          <a:xfrm>
+            <a:off x="7315028" y="2105637"/>
+            <a:ext cx="2242655" cy="369116"/>
+          </a:xfrm>
+          <a:prstGeom prst="rect">
+            <a:avLst/>
+          </a:prstGeom>
+          <a:noFill/>
+          <a:ln w="57150">
+            <a:solidFill>
+              <a:srgbClr val="FF0000"/>
+            </a:solidFill>
+          </a:ln>
+        </p:spPr>
+        <p:style>
+          <a:lnRef idx="2">
+            <a:schemeClr val="accent1">
+              <a:shade val="50000"/>
+            </a:schemeClr>
+          </a:lnRef>
+          <a:fillRef idx="1">
+            <a:schemeClr val="accent1"/>
+          </a:fillRef>
+          <a:effectRef idx="0">
+            <a:schemeClr val="accent1"/>
+          </a:effectRef>
+          <a:fontRef idx="minor">
+            <a:schemeClr val="lt1"/>
+          </a:fontRef>
+        </p:style>
+        <p:txBody>
+          <a:bodyPr rtlCol="0" anchor="ctr"/>
+          <a:lstStyle/>
+          <a:p>
+            <a:pPr algn="ctr"/>
+            <a:endParaRPr lang="ko-KR" altLang="en-US"/>
+          </a:p>
+        </p:txBody>
+      </p:sp>
+      <p:sp>
+        <p:nvSpPr>
+          <p:cNvPr id="3" name="화살표: 위쪽 2">
+            <a:extLst>
+              <a:ext uri="{FF2B5EF4-FFF2-40B4-BE49-F238E27FC236}">
+                <a16:creationId xmlns:a16="http://schemas.microsoft.com/office/drawing/2014/main" id="{F21950C8-D02D-447B-B3A4-9565BBD73EA6}"/>
+              </a:ext>
+            </a:extLst>
+          </p:cNvPr>
+          <p:cNvSpPr/>
+          <p:nvPr/>
+        </p:nvSpPr>
+        <p:spPr>
+          <a:xfrm>
+            <a:off x="1686187" y="1397831"/>
+            <a:ext cx="310393" cy="4062337"/>
+          </a:xfrm>
+          <a:prstGeom prst="upArrow">
+            <a:avLst/>
+          </a:prstGeom>
+          <a:noFill/>
+          <a:ln>
+            <a:solidFill>
+              <a:schemeClr val="tx1"/>
+            </a:solidFill>
+          </a:ln>
+        </p:spPr>
+        <p:style>
+          <a:lnRef idx="2">
+            <a:schemeClr val="accent1">
+              <a:shade val="50000"/>
+            </a:schemeClr>
+          </a:lnRef>
+          <a:fillRef idx="1">
+            <a:schemeClr val="accent1"/>
+          </a:fillRef>
+          <a:effectRef idx="0">
+            <a:schemeClr val="accent1"/>
+          </a:effectRef>
+          <a:fontRef idx="minor">
+            <a:schemeClr val="lt1"/>
+          </a:fontRef>
+        </p:style>
+        <p:txBody>
+          <a:bodyPr rtlCol="0" anchor="ctr"/>
+          <a:lstStyle/>
+          <a:p>
+            <a:pPr algn="ctr"/>
+            <a:endParaRPr lang="ko-KR" altLang="en-US"/>
+          </a:p>
+        </p:txBody>
+      </p:sp>
+      <p:sp>
+        <p:nvSpPr>
+          <p:cNvPr id="9" name="TextBox 8">
+            <a:extLst>
+              <a:ext uri="{FF2B5EF4-FFF2-40B4-BE49-F238E27FC236}">
+                <a16:creationId xmlns:a16="http://schemas.microsoft.com/office/drawing/2014/main" id="{A76AE5EE-4047-45EA-90C0-038C8D7B9741}"/>
+              </a:ext>
+            </a:extLst>
+          </p:cNvPr>
+          <p:cNvSpPr txBox="1"/>
+          <p:nvPr/>
+        </p:nvSpPr>
+        <p:spPr>
+          <a:xfrm>
+            <a:off x="1092915" y="5057633"/>
+            <a:ext cx="1186543" cy="338554"/>
+          </a:xfrm>
+          <a:prstGeom prst="rect">
+            <a:avLst/>
+          </a:prstGeom>
+          <a:noFill/>
+        </p:spPr>
+        <p:txBody>
+          <a:bodyPr wrap="square" rtlCol="0">
+            <a:spAutoFit/>
+          </a:bodyPr>
+          <a:lstStyle/>
+          <a:p>
+            <a:r>
+              <a:rPr lang="en-US" altLang="ko-KR" sz="1600" dirty="0">
+                <a:latin typeface="Californian FB" panose="0207040306080B030204" pitchFamily="18" charset="0"/>
+              </a:rPr>
+              <a:t>JND</a:t>
+            </a:r>
+            <a:endParaRPr lang="ko-KR" altLang="en-US" sz="1600" dirty="0">
+              <a:latin typeface="Californian FB" panose="0207040306080B030204" pitchFamily="18" charset="0"/>
+            </a:endParaRPr>
+          </a:p>
+        </p:txBody>
+      </p:sp>
     </p:spTree>
     <p:extLst>
       <p:ext uri="{BB962C8B-B14F-4D97-AF65-F5344CB8AC3E}">
-        <p14:creationId xmlns:p14="http://schemas.microsoft.com/office/powerpoint/2010/main" val="1525896041"/>
+        <p14:creationId xmlns:p14="http://schemas.microsoft.com/office/powerpoint/2010/main" val="2645335436"/>
       </p:ext>
     </p:extLst>
   </p:cSld>
@@ -3596,7 +3956,7 @@
           <p:cNvPr id="2" name="그림 1">
             <a:extLst>
               <a:ext uri="{FF2B5EF4-FFF2-40B4-BE49-F238E27FC236}">
-                <a16:creationId xmlns:a16="http://schemas.microsoft.com/office/drawing/2014/main" id="{E91DF123-36E6-43B7-8C5B-E97F5A9EF677}"/>
+                <a16:creationId xmlns:a16="http://schemas.microsoft.com/office/drawing/2014/main" id="{59C6F525-640C-4F7B-9090-0F76853BC81A}"/>
               </a:ext>
             </a:extLst>
           </p:cNvPr>
@@ -3613,8 +3973,8 @@
         </p:blipFill>
         <p:spPr>
           <a:xfrm>
-            <a:off x="3967162" y="1462087"/>
-            <a:ext cx="4257675" cy="3933825"/>
+            <a:off x="4086225" y="1452562"/>
+            <a:ext cx="4019550" cy="3952875"/>
           </a:xfrm>
           <a:prstGeom prst="rect">
             <a:avLst/>
@@ -3624,7 +3984,7 @@
     </p:spTree>
     <p:extLst>
       <p:ext uri="{BB962C8B-B14F-4D97-AF65-F5344CB8AC3E}">
-        <p14:creationId xmlns:p14="http://schemas.microsoft.com/office/powerpoint/2010/main" val="765157260"/>
+        <p14:creationId xmlns:p14="http://schemas.microsoft.com/office/powerpoint/2010/main" val="2582645203"/>
       </p:ext>
     </p:extLst>
   </p:cSld>
@@ -3656,7 +4016,7 @@
           <p:cNvPr id="2" name="그림 1">
             <a:extLst>
               <a:ext uri="{FF2B5EF4-FFF2-40B4-BE49-F238E27FC236}">
-                <a16:creationId xmlns:a16="http://schemas.microsoft.com/office/drawing/2014/main" id="{1BE1EBD5-DB58-4611-BABE-19E0CF9C7651}"/>
+                <a16:creationId xmlns:a16="http://schemas.microsoft.com/office/drawing/2014/main" id="{BBDE1641-7DCD-4933-A9A9-90D60071BA19}"/>
               </a:ext>
             </a:extLst>
           </p:cNvPr>
@@ -3673,8 +4033,8 @@
         </p:blipFill>
         <p:spPr>
           <a:xfrm>
-            <a:off x="3005137" y="1600200"/>
-            <a:ext cx="6181725" cy="3657600"/>
+            <a:off x="4057650" y="1314450"/>
+            <a:ext cx="4076700" cy="4229100"/>
           </a:xfrm>
           <a:prstGeom prst="rect">
             <a:avLst/>
@@ -3684,7 +4044,7 @@
     </p:spTree>
     <p:extLst>
       <p:ext uri="{BB962C8B-B14F-4D97-AF65-F5344CB8AC3E}">
-        <p14:creationId xmlns:p14="http://schemas.microsoft.com/office/powerpoint/2010/main" val="3514880506"/>
+        <p14:creationId xmlns:p14="http://schemas.microsoft.com/office/powerpoint/2010/main" val="1525896041"/>
       </p:ext>
     </p:extLst>
   </p:cSld>
@@ -3716,7 +4076,7 @@
           <p:cNvPr id="2" name="그림 1">
             <a:extLst>
               <a:ext uri="{FF2B5EF4-FFF2-40B4-BE49-F238E27FC236}">
-                <a16:creationId xmlns:a16="http://schemas.microsoft.com/office/drawing/2014/main" id="{951C2A3D-1F35-48BF-A06A-A00F673A5230}"/>
+                <a16:creationId xmlns:a16="http://schemas.microsoft.com/office/drawing/2014/main" id="{E91DF123-36E6-43B7-8C5B-E97F5A9EF677}"/>
               </a:ext>
             </a:extLst>
           </p:cNvPr>
@@ -3733,8 +4093,8 @@
         </p:blipFill>
         <p:spPr>
           <a:xfrm>
-            <a:off x="3810000" y="1738312"/>
-            <a:ext cx="4572000" cy="3381375"/>
+            <a:off x="3967162" y="1462087"/>
+            <a:ext cx="4257675" cy="3933825"/>
           </a:xfrm>
           <a:prstGeom prst="rect">
             <a:avLst/>
@@ -3744,7 +4104,7 @@
     </p:spTree>
     <p:extLst>
       <p:ext uri="{BB962C8B-B14F-4D97-AF65-F5344CB8AC3E}">
-        <p14:creationId xmlns:p14="http://schemas.microsoft.com/office/powerpoint/2010/main" val="2936768102"/>
+        <p14:creationId xmlns:p14="http://schemas.microsoft.com/office/powerpoint/2010/main" val="765157260"/>
       </p:ext>
     </p:extLst>
   </p:cSld>
@@ -3773,10 +4133,10 @@
       </p:grpSpPr>
       <p:pic>
         <p:nvPicPr>
-          <p:cNvPr id="3" name="그림 2">
-            <a:extLst>
-              <a:ext uri="{FF2B5EF4-FFF2-40B4-BE49-F238E27FC236}">
-                <a16:creationId xmlns:a16="http://schemas.microsoft.com/office/drawing/2014/main" id="{3AF5666F-D396-4FC9-97DD-5DD3C169614B}"/>
+          <p:cNvPr id="2" name="그림 1">
+            <a:extLst>
+              <a:ext uri="{FF2B5EF4-FFF2-40B4-BE49-F238E27FC236}">
+                <a16:creationId xmlns:a16="http://schemas.microsoft.com/office/drawing/2014/main" id="{1BE1EBD5-DB58-4611-BABE-19E0CF9C7651}"/>
               </a:ext>
             </a:extLst>
           </p:cNvPr>
@@ -3793,8 +4153,8 @@
         </p:blipFill>
         <p:spPr>
           <a:xfrm>
-            <a:off x="2557462" y="2205037"/>
-            <a:ext cx="7077075" cy="2447925"/>
+            <a:off x="3005137" y="1600200"/>
+            <a:ext cx="6181725" cy="3657600"/>
           </a:xfrm>
           <a:prstGeom prst="rect">
             <a:avLst/>
@@ -3804,7 +4164,7 @@
     </p:spTree>
     <p:extLst>
       <p:ext uri="{BB962C8B-B14F-4D97-AF65-F5344CB8AC3E}">
-        <p14:creationId xmlns:p14="http://schemas.microsoft.com/office/powerpoint/2010/main" val="3663126808"/>
+        <p14:creationId xmlns:p14="http://schemas.microsoft.com/office/powerpoint/2010/main" val="3514880506"/>
       </p:ext>
     </p:extLst>
   </p:cSld>
@@ -3836,7 +4196,7 @@
           <p:cNvPr id="2" name="그림 1">
             <a:extLst>
               <a:ext uri="{FF2B5EF4-FFF2-40B4-BE49-F238E27FC236}">
-                <a16:creationId xmlns:a16="http://schemas.microsoft.com/office/drawing/2014/main" id="{4AC40424-FFED-48CD-9745-AEDCE0B8C8F4}"/>
+                <a16:creationId xmlns:a16="http://schemas.microsoft.com/office/drawing/2014/main" id="{951C2A3D-1F35-48BF-A06A-A00F673A5230}"/>
               </a:ext>
             </a:extLst>
           </p:cNvPr>
@@ -3853,38 +4213,8 @@
         </p:blipFill>
         <p:spPr>
           <a:xfrm>
-            <a:off x="1430585" y="1576387"/>
-            <a:ext cx="3676650" cy="3705225"/>
-          </a:xfrm>
-          <a:prstGeom prst="rect">
-            <a:avLst/>
-          </a:prstGeom>
-        </p:spPr>
-      </p:pic>
-      <p:pic>
-        <p:nvPicPr>
-          <p:cNvPr id="4" name="그림 3">
-            <a:extLst>
-              <a:ext uri="{FF2B5EF4-FFF2-40B4-BE49-F238E27FC236}">
-                <a16:creationId xmlns:a16="http://schemas.microsoft.com/office/drawing/2014/main" id="{2E765752-3AE3-411B-ABD9-C2A2DB7EF792}"/>
-              </a:ext>
-            </a:extLst>
-          </p:cNvPr>
-          <p:cNvPicPr>
-            <a:picLocks noChangeAspect="1"/>
-          </p:cNvPicPr>
-          <p:nvPr/>
-        </p:nvPicPr>
-        <p:blipFill>
-          <a:blip r:embed="rId3"/>
-          <a:stretch>
-            <a:fillRect/>
-          </a:stretch>
-        </p:blipFill>
-        <p:spPr>
-          <a:xfrm>
-            <a:off x="6385857" y="1604962"/>
-            <a:ext cx="4705350" cy="3648075"/>
+            <a:off x="3810000" y="1738312"/>
+            <a:ext cx="4572000" cy="3381375"/>
           </a:xfrm>
           <a:prstGeom prst="rect">
             <a:avLst/>
@@ -3894,7 +4224,7 @@
     </p:spTree>
     <p:extLst>
       <p:ext uri="{BB962C8B-B14F-4D97-AF65-F5344CB8AC3E}">
-        <p14:creationId xmlns:p14="http://schemas.microsoft.com/office/powerpoint/2010/main" val="1893359304"/>
+        <p14:creationId xmlns:p14="http://schemas.microsoft.com/office/powerpoint/2010/main" val="2936768102"/>
       </p:ext>
     </p:extLst>
   </p:cSld>
@@ -3923,10 +4253,10 @@
       </p:grpSpPr>
       <p:pic>
         <p:nvPicPr>
-          <p:cNvPr id="2" name="그림 1">
-            <a:extLst>
-              <a:ext uri="{FF2B5EF4-FFF2-40B4-BE49-F238E27FC236}">
-                <a16:creationId xmlns:a16="http://schemas.microsoft.com/office/drawing/2014/main" id="{A006452C-AD06-4BFF-9377-F9C7CF565B80}"/>
+          <p:cNvPr id="3" name="그림 2">
+            <a:extLst>
+              <a:ext uri="{FF2B5EF4-FFF2-40B4-BE49-F238E27FC236}">
+                <a16:creationId xmlns:a16="http://schemas.microsoft.com/office/drawing/2014/main" id="{3AF5666F-D396-4FC9-97DD-5DD3C169614B}"/>
               </a:ext>
             </a:extLst>
           </p:cNvPr>
@@ -3943,8 +4273,8 @@
         </p:blipFill>
         <p:spPr>
           <a:xfrm>
-            <a:off x="3667125" y="1347787"/>
-            <a:ext cx="4857750" cy="4162425"/>
+            <a:off x="2557462" y="2205037"/>
+            <a:ext cx="7077075" cy="2447925"/>
           </a:xfrm>
           <a:prstGeom prst="rect">
             <a:avLst/>
@@ -3954,7 +4284,7 @@
     </p:spTree>
     <p:extLst>
       <p:ext uri="{BB962C8B-B14F-4D97-AF65-F5344CB8AC3E}">
-        <p14:creationId xmlns:p14="http://schemas.microsoft.com/office/powerpoint/2010/main" val="2637731724"/>
+        <p14:creationId xmlns:p14="http://schemas.microsoft.com/office/powerpoint/2010/main" val="3663126808"/>
       </p:ext>
     </p:extLst>
   </p:cSld>
@@ -3983,10 +4313,10 @@
       </p:grpSpPr>
       <p:pic>
         <p:nvPicPr>
-          <p:cNvPr id="3" name="그림 2">
-            <a:extLst>
-              <a:ext uri="{FF2B5EF4-FFF2-40B4-BE49-F238E27FC236}">
-                <a16:creationId xmlns:a16="http://schemas.microsoft.com/office/drawing/2014/main" id="{3441B500-13B1-4D19-B65C-EF822789FF9D}"/>
+          <p:cNvPr id="2" name="그림 1">
+            <a:extLst>
+              <a:ext uri="{FF2B5EF4-FFF2-40B4-BE49-F238E27FC236}">
+                <a16:creationId xmlns:a16="http://schemas.microsoft.com/office/drawing/2014/main" id="{4AC40424-FFED-48CD-9745-AEDCE0B8C8F4}"/>
               </a:ext>
             </a:extLst>
           </p:cNvPr>
@@ -4003,8 +4333,38 @@
         </p:blipFill>
         <p:spPr>
           <a:xfrm>
-            <a:off x="2857500" y="1538287"/>
-            <a:ext cx="6477000" cy="3781425"/>
+            <a:off x="1430585" y="1576387"/>
+            <a:ext cx="3676650" cy="3705225"/>
+          </a:xfrm>
+          <a:prstGeom prst="rect">
+            <a:avLst/>
+          </a:prstGeom>
+        </p:spPr>
+      </p:pic>
+      <p:pic>
+        <p:nvPicPr>
+          <p:cNvPr id="4" name="그림 3">
+            <a:extLst>
+              <a:ext uri="{FF2B5EF4-FFF2-40B4-BE49-F238E27FC236}">
+                <a16:creationId xmlns:a16="http://schemas.microsoft.com/office/drawing/2014/main" id="{2E765752-3AE3-411B-ABD9-C2A2DB7EF792}"/>
+              </a:ext>
+            </a:extLst>
+          </p:cNvPr>
+          <p:cNvPicPr>
+            <a:picLocks noChangeAspect="1"/>
+          </p:cNvPicPr>
+          <p:nvPr/>
+        </p:nvPicPr>
+        <p:blipFill>
+          <a:blip r:embed="rId3"/>
+          <a:stretch>
+            <a:fillRect/>
+          </a:stretch>
+        </p:blipFill>
+        <p:spPr>
+          <a:xfrm>
+            <a:off x="6385857" y="1604962"/>
+            <a:ext cx="4705350" cy="3648075"/>
           </a:xfrm>
           <a:prstGeom prst="rect">
             <a:avLst/>
@@ -4014,7 +4374,7 @@
     </p:spTree>
     <p:extLst>
       <p:ext uri="{BB962C8B-B14F-4D97-AF65-F5344CB8AC3E}">
-        <p14:creationId xmlns:p14="http://schemas.microsoft.com/office/powerpoint/2010/main" val="3888979861"/>
+        <p14:creationId xmlns:p14="http://schemas.microsoft.com/office/powerpoint/2010/main" val="1893359304"/>
       </p:ext>
     </p:extLst>
   </p:cSld>
@@ -4046,7 +4406,7 @@
           <p:cNvPr id="2" name="그림 1">
             <a:extLst>
               <a:ext uri="{FF2B5EF4-FFF2-40B4-BE49-F238E27FC236}">
-                <a16:creationId xmlns:a16="http://schemas.microsoft.com/office/drawing/2014/main" id="{D49FA091-9678-492C-ADA5-9DEFE77887EB}"/>
+                <a16:creationId xmlns:a16="http://schemas.microsoft.com/office/drawing/2014/main" id="{A006452C-AD06-4BFF-9377-F9C7CF565B80}"/>
               </a:ext>
             </a:extLst>
           </p:cNvPr>
@@ -4063,8 +4423,8 @@
         </p:blipFill>
         <p:spPr>
           <a:xfrm>
-            <a:off x="2543175" y="962025"/>
-            <a:ext cx="7105650" cy="4933950"/>
+            <a:off x="3667125" y="1347787"/>
+            <a:ext cx="4857750" cy="4162425"/>
           </a:xfrm>
           <a:prstGeom prst="rect">
             <a:avLst/>
@@ -4074,7 +4434,7 @@
     </p:spTree>
     <p:extLst>
       <p:ext uri="{BB962C8B-B14F-4D97-AF65-F5344CB8AC3E}">
-        <p14:creationId xmlns:p14="http://schemas.microsoft.com/office/powerpoint/2010/main" val="3479404847"/>
+        <p14:creationId xmlns:p14="http://schemas.microsoft.com/office/powerpoint/2010/main" val="2637731724"/>
       </p:ext>
     </p:extLst>
   </p:cSld>
@@ -4496,10 +4856,10 @@
       </p:grpSpPr>
       <p:pic>
         <p:nvPicPr>
-          <p:cNvPr id="2" name="그림 1">
-            <a:extLst>
-              <a:ext uri="{FF2B5EF4-FFF2-40B4-BE49-F238E27FC236}">
-                <a16:creationId xmlns:a16="http://schemas.microsoft.com/office/drawing/2014/main" id="{96110BF7-514D-43A0-80D3-020A2942E59F}"/>
+          <p:cNvPr id="3" name="그림 2">
+            <a:extLst>
+              <a:ext uri="{FF2B5EF4-FFF2-40B4-BE49-F238E27FC236}">
+                <a16:creationId xmlns:a16="http://schemas.microsoft.com/office/drawing/2014/main" id="{3441B500-13B1-4D19-B65C-EF822789FF9D}"/>
               </a:ext>
             </a:extLst>
           </p:cNvPr>
@@ -4516,14 +4876,169 @@
         </p:blipFill>
         <p:spPr>
           <a:xfrm>
-            <a:off x="2700337" y="1290637"/>
-            <a:ext cx="6791325" cy="4276725"/>
+            <a:off x="2857500" y="1538287"/>
+            <a:ext cx="6477000" cy="3781425"/>
           </a:xfrm>
           <a:prstGeom prst="rect">
             <a:avLst/>
           </a:prstGeom>
         </p:spPr>
       </p:pic>
+    </p:spTree>
+    <p:extLst>
+      <p:ext uri="{BB962C8B-B14F-4D97-AF65-F5344CB8AC3E}">
+        <p14:creationId xmlns:p14="http://schemas.microsoft.com/office/powerpoint/2010/main" val="3888979861"/>
+      </p:ext>
+    </p:extLst>
+  </p:cSld>
+  <p:clrMapOvr>
+    <a:masterClrMapping/>
+  </p:clrMapOvr>
+</p:sld>
+</file>
+
+<file path=ppt/slides/slide21.xml><?xml version="1.0" encoding="utf-8"?>
+<p:sld xmlns:a="http://schemas.openxmlformats.org/drawingml/2006/main" xmlns:r="http://schemas.openxmlformats.org/officeDocument/2006/relationships" xmlns:p="http://schemas.openxmlformats.org/presentationml/2006/main">
+  <p:cSld>
+    <p:spTree>
+      <p:nvGrpSpPr>
+        <p:cNvPr id="1" name=""/>
+        <p:cNvGrpSpPr/>
+        <p:nvPr/>
+      </p:nvGrpSpPr>
+      <p:grpSpPr>
+        <a:xfrm>
+          <a:off x="0" y="0"/>
+          <a:ext cx="0" cy="0"/>
+          <a:chOff x="0" y="0"/>
+          <a:chExt cx="0" cy="0"/>
+        </a:xfrm>
+      </p:grpSpPr>
+      <p:pic>
+        <p:nvPicPr>
+          <p:cNvPr id="2" name="그림 1">
+            <a:extLst>
+              <a:ext uri="{FF2B5EF4-FFF2-40B4-BE49-F238E27FC236}">
+                <a16:creationId xmlns:a16="http://schemas.microsoft.com/office/drawing/2014/main" id="{D49FA091-9678-492C-ADA5-9DEFE77887EB}"/>
+              </a:ext>
+            </a:extLst>
+          </p:cNvPr>
+          <p:cNvPicPr>
+            <a:picLocks noChangeAspect="1"/>
+          </p:cNvPicPr>
+          <p:nvPr/>
+        </p:nvPicPr>
+        <p:blipFill>
+          <a:blip r:embed="rId2"/>
+          <a:stretch>
+            <a:fillRect/>
+          </a:stretch>
+        </p:blipFill>
+        <p:spPr>
+          <a:xfrm>
+            <a:off x="2543175" y="962025"/>
+            <a:ext cx="7105650" cy="4933950"/>
+          </a:xfrm>
+          <a:prstGeom prst="rect">
+            <a:avLst/>
+          </a:prstGeom>
+        </p:spPr>
+      </p:pic>
+    </p:spTree>
+    <p:extLst>
+      <p:ext uri="{BB962C8B-B14F-4D97-AF65-F5344CB8AC3E}">
+        <p14:creationId xmlns:p14="http://schemas.microsoft.com/office/powerpoint/2010/main" val="3479404847"/>
+      </p:ext>
+    </p:extLst>
+  </p:cSld>
+  <p:clrMapOvr>
+    <a:masterClrMapping/>
+  </p:clrMapOvr>
+</p:sld>
+</file>
+
+<file path=ppt/slides/slide22.xml><?xml version="1.0" encoding="utf-8"?>
+<p:sld xmlns:a="http://schemas.openxmlformats.org/drawingml/2006/main" xmlns:r="http://schemas.openxmlformats.org/officeDocument/2006/relationships" xmlns:p="http://schemas.openxmlformats.org/presentationml/2006/main">
+  <p:cSld>
+    <p:spTree>
+      <p:nvGrpSpPr>
+        <p:cNvPr id="1" name=""/>
+        <p:cNvGrpSpPr/>
+        <p:nvPr/>
+      </p:nvGrpSpPr>
+      <p:grpSpPr>
+        <a:xfrm>
+          <a:off x="0" y="0"/>
+          <a:ext cx="0" cy="0"/>
+          <a:chOff x="0" y="0"/>
+          <a:chExt cx="0" cy="0"/>
+        </a:xfrm>
+      </p:grpSpPr>
+      <p:pic>
+        <p:nvPicPr>
+          <p:cNvPr id="2" name="그림 1">
+            <a:extLst>
+              <a:ext uri="{FF2B5EF4-FFF2-40B4-BE49-F238E27FC236}">
+                <a16:creationId xmlns:a16="http://schemas.microsoft.com/office/drawing/2014/main" id="{96110BF7-514D-43A0-80D3-020A2942E59F}"/>
+              </a:ext>
+            </a:extLst>
+          </p:cNvPr>
+          <p:cNvPicPr>
+            <a:picLocks noChangeAspect="1"/>
+          </p:cNvPicPr>
+          <p:nvPr/>
+        </p:nvPicPr>
+        <p:blipFill>
+          <a:blip r:embed="rId2"/>
+          <a:stretch>
+            <a:fillRect/>
+          </a:stretch>
+        </p:blipFill>
+        <p:spPr>
+          <a:xfrm>
+            <a:off x="2700337" y="1290637"/>
+            <a:ext cx="6791325" cy="4276725"/>
+          </a:xfrm>
+          <a:prstGeom prst="rect">
+            <a:avLst/>
+          </a:prstGeom>
+        </p:spPr>
+      </p:pic>
+      <p:sp>
+        <p:nvSpPr>
+          <p:cNvPr id="4" name="TextBox 3">
+            <a:extLst>
+              <a:ext uri="{FF2B5EF4-FFF2-40B4-BE49-F238E27FC236}">
+                <a16:creationId xmlns:a16="http://schemas.microsoft.com/office/drawing/2014/main" id="{9BC5BB5E-C6FD-462D-B472-354ACBF17DBA}"/>
+              </a:ext>
+            </a:extLst>
+          </p:cNvPr>
+          <p:cNvSpPr txBox="1"/>
+          <p:nvPr/>
+        </p:nvSpPr>
+        <p:spPr>
+          <a:xfrm>
+            <a:off x="2556065" y="5926632"/>
+            <a:ext cx="6935597" cy="369332"/>
+          </a:xfrm>
+          <a:prstGeom prst="rect">
+            <a:avLst/>
+          </a:prstGeom>
+          <a:noFill/>
+        </p:spPr>
+        <p:txBody>
+          <a:bodyPr wrap="square">
+            <a:spAutoFit/>
+          </a:bodyPr>
+          <a:lstStyle/>
+          <a:p>
+            <a:r>
+              <a:rPr lang="ko-KR" altLang="en-US" dirty="0"/>
+              <a:t>https://colorbrewer2.org/#type=sequential&amp;scheme=BuGn&amp;n=3</a:t>
+            </a:r>
+          </a:p>
+        </p:txBody>
+      </p:sp>
     </p:spTree>
     <p:extLst>
       <p:ext uri="{BB962C8B-B14F-4D97-AF65-F5344CB8AC3E}">
@@ -4537,7 +5052,128 @@
 </p:sld>
 </file>
 
-<file path=ppt/slides/slide21.xml><?xml version="1.0" encoding="utf-8"?>
+<file path=ppt/slides/slide23.xml><?xml version="1.0" encoding="utf-8"?>
+<p:sld xmlns:a="http://schemas.openxmlformats.org/drawingml/2006/main" xmlns:r="http://schemas.openxmlformats.org/officeDocument/2006/relationships" xmlns:p="http://schemas.openxmlformats.org/presentationml/2006/main">
+  <p:cSld>
+    <p:spTree>
+      <p:nvGrpSpPr>
+        <p:cNvPr id="1" name=""/>
+        <p:cNvGrpSpPr/>
+        <p:nvPr/>
+      </p:nvGrpSpPr>
+      <p:grpSpPr>
+        <a:xfrm>
+          <a:off x="0" y="0"/>
+          <a:ext cx="0" cy="0"/>
+          <a:chOff x="0" y="0"/>
+          <a:chExt cx="0" cy="0"/>
+        </a:xfrm>
+      </p:grpSpPr>
+      <p:pic>
+        <p:nvPicPr>
+          <p:cNvPr id="7" name="그림 6">
+            <a:extLst>
+              <a:ext uri="{FF2B5EF4-FFF2-40B4-BE49-F238E27FC236}">
+                <a16:creationId xmlns:a16="http://schemas.microsoft.com/office/drawing/2014/main" id="{2EE58FAA-105D-4ABD-87B1-2AADE18C3B16}"/>
+              </a:ext>
+            </a:extLst>
+          </p:cNvPr>
+          <p:cNvPicPr>
+            <a:picLocks noChangeAspect="1"/>
+          </p:cNvPicPr>
+          <p:nvPr/>
+        </p:nvPicPr>
+        <p:blipFill>
+          <a:blip r:embed="rId2">
+            <a:extLst>
+              <a:ext uri="{28A0092B-C50C-407E-A947-70E740481C1C}">
+                <a14:useLocalDpi xmlns:a14="http://schemas.microsoft.com/office/drawing/2010/main" val="0"/>
+              </a:ext>
+            </a:extLst>
+          </a:blip>
+          <a:stretch>
+            <a:fillRect/>
+          </a:stretch>
+        </p:blipFill>
+        <p:spPr>
+          <a:xfrm>
+            <a:off x="1945430" y="1515575"/>
+            <a:ext cx="8301140" cy="3826849"/>
+          </a:xfrm>
+          <a:prstGeom prst="rect">
+            <a:avLst/>
+          </a:prstGeom>
+        </p:spPr>
+      </p:pic>
+      <p:sp>
+        <p:nvSpPr>
+          <p:cNvPr id="9" name="TextBox 8">
+            <a:extLst>
+              <a:ext uri="{FF2B5EF4-FFF2-40B4-BE49-F238E27FC236}">
+                <a16:creationId xmlns:a16="http://schemas.microsoft.com/office/drawing/2014/main" id="{B2C1BA85-ACD3-466D-B788-3D6E7BFDD03D}"/>
+              </a:ext>
+            </a:extLst>
+          </p:cNvPr>
+          <p:cNvSpPr txBox="1"/>
+          <p:nvPr/>
+        </p:nvSpPr>
+        <p:spPr>
+          <a:xfrm>
+            <a:off x="597223" y="435303"/>
+            <a:ext cx="3964547" cy="769441"/>
+          </a:xfrm>
+          <a:prstGeom prst="rect">
+            <a:avLst/>
+          </a:prstGeom>
+          <a:noFill/>
+        </p:spPr>
+        <p:txBody>
+          <a:bodyPr wrap="none" rtlCol="0">
+            <a:spAutoFit/>
+          </a:bodyPr>
+          <a:lstStyle/>
+          <a:p>
+            <a:r>
+              <a:rPr lang="en-US" altLang="ko-KR" sz="4400" dirty="0">
+                <a:solidFill>
+                  <a:srgbClr val="FF0000"/>
+                </a:solidFill>
+                <a:latin typeface="Californian FB" panose="0207040306080B030204" pitchFamily="18" charset="0"/>
+              </a:rPr>
+              <a:t>M</a:t>
+            </a:r>
+            <a:r>
+              <a:rPr lang="en-US" altLang="ko-KR" sz="4400" dirty="0">
+                <a:latin typeface="Californian FB" panose="0207040306080B030204" pitchFamily="18" charset="0"/>
+              </a:rPr>
+              <a:t>echanical </a:t>
+            </a:r>
+            <a:r>
+              <a:rPr lang="en-US" altLang="ko-KR" sz="4400" dirty="0" err="1">
+                <a:latin typeface="Californian FB" panose="0207040306080B030204" pitchFamily="18" charset="0"/>
+              </a:rPr>
+              <a:t>truk</a:t>
+            </a:r>
+            <a:endParaRPr lang="ko-KR" altLang="en-US" sz="4400" dirty="0">
+              <a:latin typeface="Californian FB" panose="0207040306080B030204" pitchFamily="18" charset="0"/>
+            </a:endParaRPr>
+          </a:p>
+        </p:txBody>
+      </p:sp>
+    </p:spTree>
+    <p:extLst>
+      <p:ext uri="{BB962C8B-B14F-4D97-AF65-F5344CB8AC3E}">
+        <p14:creationId xmlns:p14="http://schemas.microsoft.com/office/powerpoint/2010/main" val="3163830703"/>
+      </p:ext>
+    </p:extLst>
+  </p:cSld>
+  <p:clrMapOvr>
+    <a:masterClrMapping/>
+  </p:clrMapOvr>
+</p:sld>
+</file>
+
+<file path=ppt/slides/slide24.xml><?xml version="1.0" encoding="utf-8"?>
 <p:sld xmlns:a="http://schemas.openxmlformats.org/drawingml/2006/main" xmlns:r="http://schemas.openxmlformats.org/officeDocument/2006/relationships" xmlns:p="http://schemas.openxmlformats.org/presentationml/2006/main">
   <p:cSld>
     <p:spTree>
@@ -4638,8 +5274,8 @@
         </p:nvSpPr>
         <p:spPr>
           <a:xfrm>
-            <a:off x="2095319" y="1536174"/>
-            <a:ext cx="859531" cy="3785652"/>
+            <a:off x="4924846" y="1536174"/>
+            <a:ext cx="2342308" cy="3785652"/>
           </a:xfrm>
           <a:prstGeom prst="rect">
             <a:avLst/>
@@ -4654,7 +5290,7 @@
           <a:p>
             <a:r>
               <a:rPr lang="en-US" altLang="ko-KR" sz="8000" dirty="0"/>
-              <a:t>A</a:t>
+              <a:t>Data</a:t>
             </a:r>
           </a:p>
           <a:p>
@@ -4663,7 +5299,7 @@
           <a:p>
             <a:r>
               <a:rPr lang="en-US" altLang="ko-KR" sz="8000" dirty="0"/>
-              <a:t>B</a:t>
+              <a:t>Data</a:t>
             </a:r>
           </a:p>
         </p:txBody>
@@ -4749,114 +5385,6 @@
       </p:grpSpPr>
       <p:sp>
         <p:nvSpPr>
-          <p:cNvPr id="2" name="직사각형 1">
-            <a:extLst>
-              <a:ext uri="{FF2B5EF4-FFF2-40B4-BE49-F238E27FC236}">
-                <a16:creationId xmlns:a16="http://schemas.microsoft.com/office/drawing/2014/main" id="{6AF66617-DD94-4FD6-A390-A664ED9DDF0F}"/>
-              </a:ext>
-            </a:extLst>
-          </p:cNvPr>
-          <p:cNvSpPr/>
-          <p:nvPr/>
-        </p:nvSpPr>
-        <p:spPr>
-          <a:xfrm>
-            <a:off x="3768056" y="2088333"/>
-            <a:ext cx="4587379" cy="302004"/>
-          </a:xfrm>
-          <a:prstGeom prst="rect">
-            <a:avLst/>
-          </a:prstGeom>
-          <a:solidFill>
-            <a:schemeClr val="bg1">
-              <a:lumMod val="85000"/>
-            </a:schemeClr>
-          </a:solidFill>
-          <a:ln>
-            <a:noFill/>
-          </a:ln>
-        </p:spPr>
-        <p:style>
-          <a:lnRef idx="2">
-            <a:schemeClr val="accent1">
-              <a:shade val="50000"/>
-            </a:schemeClr>
-          </a:lnRef>
-          <a:fillRef idx="1">
-            <a:schemeClr val="accent1"/>
-          </a:fillRef>
-          <a:effectRef idx="0">
-            <a:schemeClr val="accent1"/>
-          </a:effectRef>
-          <a:fontRef idx="minor">
-            <a:schemeClr val="lt1"/>
-          </a:fontRef>
-        </p:style>
-        <p:txBody>
-          <a:bodyPr rtlCol="0" anchor="ctr"/>
-          <a:lstStyle/>
-          <a:p>
-            <a:pPr algn="ctr"/>
-            <a:endParaRPr lang="ko-KR" altLang="en-US"/>
-          </a:p>
-        </p:txBody>
-      </p:sp>
-      <p:sp>
-        <p:nvSpPr>
-          <p:cNvPr id="5" name="직사각형 4">
-            <a:extLst>
-              <a:ext uri="{FF2B5EF4-FFF2-40B4-BE49-F238E27FC236}">
-                <a16:creationId xmlns:a16="http://schemas.microsoft.com/office/drawing/2014/main" id="{CD5E75B3-0DF6-43C9-B391-264F6166B28B}"/>
-              </a:ext>
-            </a:extLst>
-          </p:cNvPr>
-          <p:cNvSpPr/>
-          <p:nvPr/>
-        </p:nvSpPr>
-        <p:spPr>
-          <a:xfrm>
-            <a:off x="3768056" y="4467662"/>
-            <a:ext cx="4655887" cy="302004"/>
-          </a:xfrm>
-          <a:prstGeom prst="rect">
-            <a:avLst/>
-          </a:prstGeom>
-          <a:solidFill>
-            <a:schemeClr val="bg1">
-              <a:lumMod val="85000"/>
-            </a:schemeClr>
-          </a:solidFill>
-          <a:ln>
-            <a:noFill/>
-          </a:ln>
-        </p:spPr>
-        <p:style>
-          <a:lnRef idx="2">
-            <a:schemeClr val="accent1">
-              <a:shade val="50000"/>
-            </a:schemeClr>
-          </a:lnRef>
-          <a:fillRef idx="1">
-            <a:schemeClr val="accent1"/>
-          </a:fillRef>
-          <a:effectRef idx="0">
-            <a:schemeClr val="accent1"/>
-          </a:effectRef>
-          <a:fontRef idx="minor">
-            <a:schemeClr val="lt1"/>
-          </a:fontRef>
-        </p:style>
-        <p:txBody>
-          <a:bodyPr rtlCol="0" anchor="ctr"/>
-          <a:lstStyle/>
-          <a:p>
-            <a:pPr algn="ctr"/>
-            <a:endParaRPr lang="ko-KR" altLang="en-US"/>
-          </a:p>
-        </p:txBody>
-      </p:sp>
-      <p:sp>
-        <p:nvSpPr>
           <p:cNvPr id="12" name="TextBox 11">
             <a:extLst>
               <a:ext uri="{FF2B5EF4-FFF2-40B4-BE49-F238E27FC236}">
@@ -4869,7 +5397,7 @@
         </p:nvSpPr>
         <p:spPr>
           <a:xfrm>
-            <a:off x="2095319" y="1536174"/>
+            <a:off x="5666234" y="1536174"/>
             <a:ext cx="859531" cy="3785652"/>
           </a:xfrm>
           <a:prstGeom prst="rect">
@@ -4951,13 +5479,25 @@
     </p:spTree>
     <p:extLst>
       <p:ext uri="{BB962C8B-B14F-4D97-AF65-F5344CB8AC3E}">
-        <p14:creationId xmlns:p14="http://schemas.microsoft.com/office/powerpoint/2010/main" val="1466344225"/>
+        <p14:creationId xmlns:p14="http://schemas.microsoft.com/office/powerpoint/2010/main" val="669444140"/>
       </p:ext>
     </p:extLst>
   </p:cSld>
   <p:clrMapOvr>
     <a:masterClrMapping/>
   </p:clrMapOvr>
+  <mc:AlternateContent xmlns:mc="http://schemas.openxmlformats.org/markup-compatibility/2006" xmlns:p159="http://schemas.microsoft.com/office/powerpoint/2015/09/main">
+    <mc:Choice Requires="p159">
+      <p:transition xmlns:p14="http://schemas.microsoft.com/office/powerpoint/2010/main" spd="slow" p14:dur="2000">
+        <p159:morph option="byObject"/>
+      </p:transition>
+    </mc:Choice>
+    <mc:Fallback xmlns="">
+      <p:transition spd="slow">
+        <p:fade/>
+      </p:transition>
+    </mc:Fallback>
+  </mc:AlternateContent>
 </p:sld>
 </file>
 
@@ -4999,9 +5539,8 @@
             <a:avLst/>
           </a:prstGeom>
           <a:solidFill>
-            <a:schemeClr val="accent2">
-              <a:lumMod val="60000"/>
-              <a:lumOff val="40000"/>
+            <a:schemeClr val="bg1">
+              <a:lumMod val="85000"/>
             </a:schemeClr>
           </a:solidFill>
           <a:ln>
@@ -5054,9 +5593,8 @@
             <a:avLst/>
           </a:prstGeom>
           <a:solidFill>
-            <a:schemeClr val="accent1">
-              <a:lumMod val="60000"/>
-              <a:lumOff val="40000"/>
+            <a:schemeClr val="bg1">
+              <a:lumMod val="85000"/>
             </a:schemeClr>
           </a:solidFill>
           <a:ln>
@@ -5184,13 +5722,25 @@
     </p:spTree>
     <p:extLst>
       <p:ext uri="{BB962C8B-B14F-4D97-AF65-F5344CB8AC3E}">
-        <p14:creationId xmlns:p14="http://schemas.microsoft.com/office/powerpoint/2010/main" val="998596436"/>
+        <p14:creationId xmlns:p14="http://schemas.microsoft.com/office/powerpoint/2010/main" val="1466344225"/>
       </p:ext>
     </p:extLst>
   </p:cSld>
   <p:clrMapOvr>
     <a:masterClrMapping/>
   </p:clrMapOvr>
+  <mc:AlternateContent xmlns:mc="http://schemas.openxmlformats.org/markup-compatibility/2006" xmlns:p159="http://schemas.microsoft.com/office/powerpoint/2015/09/main">
+    <mc:Choice Requires="p159">
+      <p:transition xmlns:p14="http://schemas.microsoft.com/office/powerpoint/2010/main" spd="slow" p14:dur="2000">
+        <p159:morph option="byObject"/>
+      </p:transition>
+    </mc:Choice>
+    <mc:Fallback xmlns="">
+      <p:transition spd="slow">
+        <p:fade/>
+      </p:transition>
+    </mc:Fallback>
+  </mc:AlternateContent>
 </p:sld>
 </file>
 
@@ -5213,10 +5763,120 @@
       </p:grpSpPr>
       <p:sp>
         <p:nvSpPr>
-          <p:cNvPr id="3" name="TextBox 2">
-            <a:extLst>
-              <a:ext uri="{FF2B5EF4-FFF2-40B4-BE49-F238E27FC236}">
-                <a16:creationId xmlns:a16="http://schemas.microsoft.com/office/drawing/2014/main" id="{F0A21F32-9259-4AEC-92D5-88CFAA5DE76D}"/>
+          <p:cNvPr id="2" name="직사각형 1">
+            <a:extLst>
+              <a:ext uri="{FF2B5EF4-FFF2-40B4-BE49-F238E27FC236}">
+                <a16:creationId xmlns:a16="http://schemas.microsoft.com/office/drawing/2014/main" id="{6AF66617-DD94-4FD6-A390-A664ED9DDF0F}"/>
+              </a:ext>
+            </a:extLst>
+          </p:cNvPr>
+          <p:cNvSpPr/>
+          <p:nvPr/>
+        </p:nvSpPr>
+        <p:spPr>
+          <a:xfrm>
+            <a:off x="3768056" y="2088333"/>
+            <a:ext cx="4587379" cy="302004"/>
+          </a:xfrm>
+          <a:prstGeom prst="rect">
+            <a:avLst/>
+          </a:prstGeom>
+          <a:solidFill>
+            <a:schemeClr val="accent2">
+              <a:lumMod val="60000"/>
+              <a:lumOff val="40000"/>
+            </a:schemeClr>
+          </a:solidFill>
+          <a:ln>
+            <a:noFill/>
+          </a:ln>
+        </p:spPr>
+        <p:style>
+          <a:lnRef idx="2">
+            <a:schemeClr val="accent1">
+              <a:shade val="50000"/>
+            </a:schemeClr>
+          </a:lnRef>
+          <a:fillRef idx="1">
+            <a:schemeClr val="accent1"/>
+          </a:fillRef>
+          <a:effectRef idx="0">
+            <a:schemeClr val="accent1"/>
+          </a:effectRef>
+          <a:fontRef idx="minor">
+            <a:schemeClr val="lt1"/>
+          </a:fontRef>
+        </p:style>
+        <p:txBody>
+          <a:bodyPr rtlCol="0" anchor="ctr"/>
+          <a:lstStyle/>
+          <a:p>
+            <a:pPr algn="ctr"/>
+            <a:endParaRPr lang="ko-KR" altLang="en-US"/>
+          </a:p>
+        </p:txBody>
+      </p:sp>
+      <p:sp>
+        <p:nvSpPr>
+          <p:cNvPr id="5" name="직사각형 4">
+            <a:extLst>
+              <a:ext uri="{FF2B5EF4-FFF2-40B4-BE49-F238E27FC236}">
+                <a16:creationId xmlns:a16="http://schemas.microsoft.com/office/drawing/2014/main" id="{CD5E75B3-0DF6-43C9-B391-264F6166B28B}"/>
+              </a:ext>
+            </a:extLst>
+          </p:cNvPr>
+          <p:cNvSpPr/>
+          <p:nvPr/>
+        </p:nvSpPr>
+        <p:spPr>
+          <a:xfrm>
+            <a:off x="3768056" y="4467662"/>
+            <a:ext cx="4655887" cy="302004"/>
+          </a:xfrm>
+          <a:prstGeom prst="rect">
+            <a:avLst/>
+          </a:prstGeom>
+          <a:solidFill>
+            <a:schemeClr val="accent1">
+              <a:lumMod val="60000"/>
+              <a:lumOff val="40000"/>
+            </a:schemeClr>
+          </a:solidFill>
+          <a:ln>
+            <a:noFill/>
+          </a:ln>
+        </p:spPr>
+        <p:style>
+          <a:lnRef idx="2">
+            <a:schemeClr val="accent1">
+              <a:shade val="50000"/>
+            </a:schemeClr>
+          </a:lnRef>
+          <a:fillRef idx="1">
+            <a:schemeClr val="accent1"/>
+          </a:fillRef>
+          <a:effectRef idx="0">
+            <a:schemeClr val="accent1"/>
+          </a:effectRef>
+          <a:fontRef idx="minor">
+            <a:schemeClr val="lt1"/>
+          </a:fontRef>
+        </p:style>
+        <p:txBody>
+          <a:bodyPr rtlCol="0" anchor="ctr"/>
+          <a:lstStyle/>
+          <a:p>
+            <a:pPr algn="ctr"/>
+            <a:endParaRPr lang="ko-KR" altLang="en-US"/>
+          </a:p>
+        </p:txBody>
+      </p:sp>
+      <p:sp>
+        <p:nvSpPr>
+          <p:cNvPr id="12" name="TextBox 11">
+            <a:extLst>
+              <a:ext uri="{FF2B5EF4-FFF2-40B4-BE49-F238E27FC236}">
+                <a16:creationId xmlns:a16="http://schemas.microsoft.com/office/drawing/2014/main" id="{759C0D8E-1E5A-4229-AF16-F2902397D96B}"/>
               </a:ext>
             </a:extLst>
           </p:cNvPr>
@@ -5225,8 +5885,52 @@
         </p:nvSpPr>
         <p:spPr>
           <a:xfrm>
-            <a:off x="3010059" y="3044279"/>
-            <a:ext cx="6171882" cy="769441"/>
+            <a:off x="2095319" y="1536174"/>
+            <a:ext cx="859531" cy="3785652"/>
+          </a:xfrm>
+          <a:prstGeom prst="rect">
+            <a:avLst/>
+          </a:prstGeom>
+          <a:noFill/>
+        </p:spPr>
+        <p:txBody>
+          <a:bodyPr wrap="none" rtlCol="0">
+            <a:spAutoFit/>
+          </a:bodyPr>
+          <a:lstStyle/>
+          <a:p>
+            <a:r>
+              <a:rPr lang="en-US" altLang="ko-KR" sz="8000" dirty="0"/>
+              <a:t>A</a:t>
+            </a:r>
+          </a:p>
+          <a:p>
+            <a:endParaRPr lang="en-US" altLang="ko-KR" sz="8000" dirty="0"/>
+          </a:p>
+          <a:p>
+            <a:r>
+              <a:rPr lang="en-US" altLang="ko-KR" sz="8000" dirty="0"/>
+              <a:t>B</a:t>
+            </a:r>
+          </a:p>
+        </p:txBody>
+      </p:sp>
+      <p:sp>
+        <p:nvSpPr>
+          <p:cNvPr id="17" name="TextBox 16">
+            <a:extLst>
+              <a:ext uri="{FF2B5EF4-FFF2-40B4-BE49-F238E27FC236}">
+                <a16:creationId xmlns:a16="http://schemas.microsoft.com/office/drawing/2014/main" id="{964A8BE3-A22A-4C92-A9B4-7D86EF252003}"/>
+              </a:ext>
+            </a:extLst>
+          </p:cNvPr>
+          <p:cNvSpPr txBox="1"/>
+          <p:nvPr/>
+        </p:nvSpPr>
+        <p:spPr>
+          <a:xfrm>
+            <a:off x="597223" y="435303"/>
+            <a:ext cx="2428870" cy="769441"/>
           </a:xfrm>
           <a:prstGeom prst="rect">
             <a:avLst/>
@@ -5246,43 +5950,13 @@
                 </a:solidFill>
                 <a:latin typeface="Californian FB" panose="0207040306080B030204" pitchFamily="18" charset="0"/>
               </a:rPr>
-              <a:t>J</a:t>
+              <a:t>K</a:t>
             </a:r>
             <a:r>
               <a:rPr lang="en-US" altLang="ko-KR" sz="4400" dirty="0">
                 <a:latin typeface="Californian FB" panose="0207040306080B030204" pitchFamily="18" charset="0"/>
               </a:rPr>
-              <a:t>ust </a:t>
-            </a:r>
-            <a:r>
-              <a:rPr lang="en-US" altLang="ko-KR" sz="4400" dirty="0">
-                <a:solidFill>
-                  <a:srgbClr val="FF0000"/>
-                </a:solidFill>
-                <a:latin typeface="Californian FB" panose="0207040306080B030204" pitchFamily="18" charset="0"/>
-              </a:rPr>
-              <a:t>N</a:t>
-            </a:r>
-            <a:r>
-              <a:rPr lang="en-US" altLang="ko-KR" sz="4400" dirty="0">
-                <a:latin typeface="Californian FB" panose="0207040306080B030204" pitchFamily="18" charset="0"/>
-              </a:rPr>
-              <a:t>oticeable </a:t>
-            </a:r>
-            <a:r>
-              <a:rPr lang="en-US" altLang="ko-KR" sz="4400" dirty="0">
-                <a:solidFill>
-                  <a:srgbClr val="FF0000"/>
-                </a:solidFill>
-                <a:latin typeface="Californian FB" panose="0207040306080B030204" pitchFamily="18" charset="0"/>
-              </a:rPr>
-              <a:t>D</a:t>
-            </a:r>
-            <a:r>
-              <a:rPr lang="en-US" altLang="ko-KR" sz="4400" dirty="0">
-                <a:latin typeface="Californian FB" panose="0207040306080B030204" pitchFamily="18" charset="0"/>
-              </a:rPr>
-              <a:t>ifference</a:t>
+              <a:t>ey point</a:t>
             </a:r>
             <a:endParaRPr lang="ko-KR" altLang="en-US" sz="4400" dirty="0">
               <a:latin typeface="Californian FB" panose="0207040306080B030204" pitchFamily="18" charset="0"/>
@@ -5293,13 +5967,25 @@
     </p:spTree>
     <p:extLst>
       <p:ext uri="{BB962C8B-B14F-4D97-AF65-F5344CB8AC3E}">
-        <p14:creationId xmlns:p14="http://schemas.microsoft.com/office/powerpoint/2010/main" val="2776754338"/>
+        <p14:creationId xmlns:p14="http://schemas.microsoft.com/office/powerpoint/2010/main" val="998596436"/>
       </p:ext>
     </p:extLst>
   </p:cSld>
   <p:clrMapOvr>
     <a:masterClrMapping/>
   </p:clrMapOvr>
+  <mc:AlternateContent xmlns:mc="http://schemas.openxmlformats.org/markup-compatibility/2006" xmlns:p159="http://schemas.microsoft.com/office/powerpoint/2015/09/main">
+    <mc:Choice Requires="p159">
+      <p:transition xmlns:p14="http://schemas.microsoft.com/office/powerpoint/2010/main" spd="slow" p14:dur="2000">
+        <p159:morph option="byObject"/>
+      </p:transition>
+    </mc:Choice>
+    <mc:Fallback xmlns="">
+      <p:transition spd="slow">
+        <p:fade/>
+      </p:transition>
+    </mc:Fallback>
+  </mc:AlternateContent>
 </p:sld>
 </file>
 
@@ -5320,52 +6006,231 @@
           <a:chExt cx="0" cy="0"/>
         </a:xfrm>
       </p:grpSpPr>
-      <p:pic>
-        <p:nvPicPr>
-          <p:cNvPr id="4" name="그림 3">
-            <a:extLst>
-              <a:ext uri="{FF2B5EF4-FFF2-40B4-BE49-F238E27FC236}">
-                <a16:creationId xmlns:a16="http://schemas.microsoft.com/office/drawing/2014/main" id="{BF3B73F9-E41A-4DED-84D1-B6027625C188}"/>
-              </a:ext>
-            </a:extLst>
-          </p:cNvPr>
-          <p:cNvPicPr>
-            <a:picLocks noChangeAspect="1"/>
-          </p:cNvPicPr>
+      <p:sp>
+        <p:nvSpPr>
+          <p:cNvPr id="5" name="직사각형 4">
+            <a:extLst>
+              <a:ext uri="{FF2B5EF4-FFF2-40B4-BE49-F238E27FC236}">
+                <a16:creationId xmlns:a16="http://schemas.microsoft.com/office/drawing/2014/main" id="{CD5E75B3-0DF6-43C9-B391-264F6166B28B}"/>
+              </a:ext>
+            </a:extLst>
+          </p:cNvPr>
+          <p:cNvSpPr/>
           <p:nvPr/>
-        </p:nvPicPr>
-        <p:blipFill>
-          <a:blip r:embed="rId2">
-            <a:extLst>
-              <a:ext uri="{28A0092B-C50C-407E-A947-70E740481C1C}">
-                <a14:useLocalDpi xmlns:a14="http://schemas.microsoft.com/office/drawing/2010/main" val="0"/>
-              </a:ext>
-            </a:extLst>
-          </a:blip>
-          <a:stretch>
-            <a:fillRect/>
-          </a:stretch>
-        </p:blipFill>
-        <p:spPr>
-          <a:xfrm>
-            <a:off x="2642705" y="1461813"/>
-            <a:ext cx="6906589" cy="3934374"/>
+        </p:nvSpPr>
+        <p:spPr>
+          <a:xfrm>
+            <a:off x="3768056" y="3277998"/>
+            <a:ext cx="4655887" cy="302004"/>
           </a:xfrm>
           <a:prstGeom prst="rect">
             <a:avLst/>
           </a:prstGeom>
-        </p:spPr>
-      </p:pic>
+          <a:solidFill>
+            <a:schemeClr val="accent1">
+              <a:lumMod val="60000"/>
+              <a:lumOff val="40000"/>
+            </a:schemeClr>
+          </a:solidFill>
+          <a:ln>
+            <a:noFill/>
+          </a:ln>
+        </p:spPr>
+        <p:style>
+          <a:lnRef idx="2">
+            <a:schemeClr val="accent1">
+              <a:shade val="50000"/>
+            </a:schemeClr>
+          </a:lnRef>
+          <a:fillRef idx="1">
+            <a:schemeClr val="accent1"/>
+          </a:fillRef>
+          <a:effectRef idx="0">
+            <a:schemeClr val="accent1"/>
+          </a:effectRef>
+          <a:fontRef idx="minor">
+            <a:schemeClr val="lt1"/>
+          </a:fontRef>
+        </p:style>
+        <p:txBody>
+          <a:bodyPr rtlCol="0" anchor="ctr"/>
+          <a:lstStyle/>
+          <a:p>
+            <a:pPr algn="ctr"/>
+            <a:endParaRPr lang="ko-KR" altLang="en-US"/>
+          </a:p>
+        </p:txBody>
+      </p:sp>
+      <p:sp>
+        <p:nvSpPr>
+          <p:cNvPr id="2" name="직사각형 1">
+            <a:extLst>
+              <a:ext uri="{FF2B5EF4-FFF2-40B4-BE49-F238E27FC236}">
+                <a16:creationId xmlns:a16="http://schemas.microsoft.com/office/drawing/2014/main" id="{6AF66617-DD94-4FD6-A390-A664ED9DDF0F}"/>
+              </a:ext>
+            </a:extLst>
+          </p:cNvPr>
+          <p:cNvSpPr/>
+          <p:nvPr/>
+        </p:nvSpPr>
+        <p:spPr>
+          <a:xfrm>
+            <a:off x="3768056" y="3277998"/>
+            <a:ext cx="4587379" cy="302004"/>
+          </a:xfrm>
+          <a:prstGeom prst="rect">
+            <a:avLst/>
+          </a:prstGeom>
+          <a:solidFill>
+            <a:schemeClr val="accent2">
+              <a:lumMod val="60000"/>
+              <a:lumOff val="40000"/>
+            </a:schemeClr>
+          </a:solidFill>
+          <a:ln>
+            <a:noFill/>
+          </a:ln>
+        </p:spPr>
+        <p:style>
+          <a:lnRef idx="2">
+            <a:schemeClr val="accent1">
+              <a:shade val="50000"/>
+            </a:schemeClr>
+          </a:lnRef>
+          <a:fillRef idx="1">
+            <a:schemeClr val="accent1"/>
+          </a:fillRef>
+          <a:effectRef idx="0">
+            <a:schemeClr val="accent1"/>
+          </a:effectRef>
+          <a:fontRef idx="minor">
+            <a:schemeClr val="lt1"/>
+          </a:fontRef>
+        </p:style>
+        <p:txBody>
+          <a:bodyPr rtlCol="0" anchor="ctr"/>
+          <a:lstStyle/>
+          <a:p>
+            <a:pPr algn="ctr"/>
+            <a:endParaRPr lang="ko-KR" altLang="en-US"/>
+          </a:p>
+        </p:txBody>
+      </p:sp>
+      <p:sp>
+        <p:nvSpPr>
+          <p:cNvPr id="12" name="TextBox 11">
+            <a:extLst>
+              <a:ext uri="{FF2B5EF4-FFF2-40B4-BE49-F238E27FC236}">
+                <a16:creationId xmlns:a16="http://schemas.microsoft.com/office/drawing/2014/main" id="{759C0D8E-1E5A-4229-AF16-F2902397D96B}"/>
+              </a:ext>
+            </a:extLst>
+          </p:cNvPr>
+          <p:cNvSpPr txBox="1"/>
+          <p:nvPr/>
+        </p:nvSpPr>
+        <p:spPr>
+          <a:xfrm>
+            <a:off x="2095319" y="1536174"/>
+            <a:ext cx="859531" cy="3785652"/>
+          </a:xfrm>
+          <a:prstGeom prst="rect">
+            <a:avLst/>
+          </a:prstGeom>
+          <a:noFill/>
+        </p:spPr>
+        <p:txBody>
+          <a:bodyPr wrap="none" rtlCol="0">
+            <a:spAutoFit/>
+          </a:bodyPr>
+          <a:lstStyle/>
+          <a:p>
+            <a:r>
+              <a:rPr lang="en-US" altLang="ko-KR" sz="8000" dirty="0"/>
+              <a:t>A</a:t>
+            </a:r>
+          </a:p>
+          <a:p>
+            <a:endParaRPr lang="en-US" altLang="ko-KR" sz="8000" dirty="0"/>
+          </a:p>
+          <a:p>
+            <a:r>
+              <a:rPr lang="en-US" altLang="ko-KR" sz="8000" dirty="0"/>
+              <a:t>B</a:t>
+            </a:r>
+          </a:p>
+        </p:txBody>
+      </p:sp>
+      <p:sp>
+        <p:nvSpPr>
+          <p:cNvPr id="17" name="TextBox 16">
+            <a:extLst>
+              <a:ext uri="{FF2B5EF4-FFF2-40B4-BE49-F238E27FC236}">
+                <a16:creationId xmlns:a16="http://schemas.microsoft.com/office/drawing/2014/main" id="{964A8BE3-A22A-4C92-A9B4-7D86EF252003}"/>
+              </a:ext>
+            </a:extLst>
+          </p:cNvPr>
+          <p:cNvSpPr txBox="1"/>
+          <p:nvPr/>
+        </p:nvSpPr>
+        <p:spPr>
+          <a:xfrm>
+            <a:off x="597223" y="435303"/>
+            <a:ext cx="2428870" cy="769441"/>
+          </a:xfrm>
+          <a:prstGeom prst="rect">
+            <a:avLst/>
+          </a:prstGeom>
+          <a:noFill/>
+        </p:spPr>
+        <p:txBody>
+          <a:bodyPr wrap="none" rtlCol="0">
+            <a:spAutoFit/>
+          </a:bodyPr>
+          <a:lstStyle/>
+          <a:p>
+            <a:r>
+              <a:rPr lang="en-US" altLang="ko-KR" sz="4400" dirty="0">
+                <a:solidFill>
+                  <a:srgbClr val="FF0000"/>
+                </a:solidFill>
+                <a:latin typeface="Californian FB" panose="0207040306080B030204" pitchFamily="18" charset="0"/>
+              </a:rPr>
+              <a:t>K</a:t>
+            </a:r>
+            <a:r>
+              <a:rPr lang="en-US" altLang="ko-KR" sz="4400" dirty="0">
+                <a:latin typeface="Californian FB" panose="0207040306080B030204" pitchFamily="18" charset="0"/>
+              </a:rPr>
+              <a:t>ey point</a:t>
+            </a:r>
+            <a:endParaRPr lang="ko-KR" altLang="en-US" sz="4400" dirty="0">
+              <a:latin typeface="Californian FB" panose="0207040306080B030204" pitchFamily="18" charset="0"/>
+            </a:endParaRPr>
+          </a:p>
+        </p:txBody>
+      </p:sp>
     </p:spTree>
     <p:extLst>
       <p:ext uri="{BB962C8B-B14F-4D97-AF65-F5344CB8AC3E}">
-        <p14:creationId xmlns:p14="http://schemas.microsoft.com/office/powerpoint/2010/main" val="3668952070"/>
+        <p14:creationId xmlns:p14="http://schemas.microsoft.com/office/powerpoint/2010/main" val="2121357294"/>
       </p:ext>
     </p:extLst>
   </p:cSld>
   <p:clrMapOvr>
     <a:masterClrMapping/>
   </p:clrMapOvr>
+  <mc:AlternateContent xmlns:mc="http://schemas.openxmlformats.org/markup-compatibility/2006" xmlns:p159="http://schemas.microsoft.com/office/powerpoint/2015/09/main">
+    <mc:Choice Requires="p159">
+      <p:transition xmlns:p14="http://schemas.microsoft.com/office/powerpoint/2010/main" spd="slow" p14:dur="2000">
+        <p159:morph option="byObject"/>
+      </p:transition>
+    </mc:Choice>
+    <mc:Fallback xmlns="">
+      <p:transition spd="slow">
+        <p:fade/>
+      </p:transition>
+    </mc:Fallback>
+  </mc:AlternateContent>
 </p:sld>
 </file>
 
@@ -5386,67 +6251,34 @@
           <a:chExt cx="0" cy="0"/>
         </a:xfrm>
       </p:grpSpPr>
-      <p:pic>
-        <p:nvPicPr>
-          <p:cNvPr id="4" name="그림 3">
-            <a:extLst>
-              <a:ext uri="{FF2B5EF4-FFF2-40B4-BE49-F238E27FC236}">
-                <a16:creationId xmlns:a16="http://schemas.microsoft.com/office/drawing/2014/main" id="{BF3B73F9-E41A-4DED-84D1-B6027625C188}"/>
-              </a:ext>
-            </a:extLst>
-          </p:cNvPr>
-          <p:cNvPicPr>
-            <a:picLocks noChangeAspect="1"/>
-          </p:cNvPicPr>
+      <p:sp>
+        <p:nvSpPr>
+          <p:cNvPr id="5" name="직사각형 4">
+            <a:extLst>
+              <a:ext uri="{FF2B5EF4-FFF2-40B4-BE49-F238E27FC236}">
+                <a16:creationId xmlns:a16="http://schemas.microsoft.com/office/drawing/2014/main" id="{CD5E75B3-0DF6-43C9-B391-264F6166B28B}"/>
+              </a:ext>
+            </a:extLst>
+          </p:cNvPr>
+          <p:cNvSpPr/>
           <p:nvPr/>
-        </p:nvPicPr>
-        <p:blipFill>
-          <a:blip r:embed="rId2">
-            <a:extLst>
-              <a:ext uri="{28A0092B-C50C-407E-A947-70E740481C1C}">
-                <a14:useLocalDpi xmlns:a14="http://schemas.microsoft.com/office/drawing/2010/main" val="0"/>
-              </a:ext>
-            </a:extLst>
-          </a:blip>
-          <a:stretch>
-            <a:fillRect/>
-          </a:stretch>
-        </p:blipFill>
-        <p:spPr>
-          <a:xfrm>
-            <a:off x="2642705" y="1461813"/>
-            <a:ext cx="6906589" cy="3934374"/>
+        </p:nvSpPr>
+        <p:spPr>
+          <a:xfrm>
+            <a:off x="3768056" y="2311549"/>
+            <a:ext cx="4655887" cy="2234903"/>
           </a:xfrm>
           <a:prstGeom prst="rect">
             <a:avLst/>
           </a:prstGeom>
-        </p:spPr>
-      </p:pic>
-      <p:sp>
-        <p:nvSpPr>
-          <p:cNvPr id="2" name="직사각형 1">
-            <a:extLst>
-              <a:ext uri="{FF2B5EF4-FFF2-40B4-BE49-F238E27FC236}">
-                <a16:creationId xmlns:a16="http://schemas.microsoft.com/office/drawing/2014/main" id="{8D130595-9DA6-497D-ABD2-367F7E882C12}"/>
-              </a:ext>
-            </a:extLst>
-          </p:cNvPr>
-          <p:cNvSpPr/>
-          <p:nvPr/>
-        </p:nvSpPr>
-        <p:spPr>
-          <a:xfrm>
-            <a:off x="2642532" y="3699545"/>
-            <a:ext cx="2449585" cy="620785"/>
-          </a:xfrm>
-          <a:prstGeom prst="rect">
-            <a:avLst/>
-          </a:prstGeom>
-          <a:noFill/>
-          <a:ln w="57150">
-            <a:solidFill>
-              <a:srgbClr val="FF0000"/>
-            </a:solidFill>
+          <a:solidFill>
+            <a:schemeClr val="accent1">
+              <a:lumMod val="60000"/>
+              <a:lumOff val="40000"/>
+            </a:schemeClr>
+          </a:solidFill>
+          <a:ln>
+            <a:noFill/>
           </a:ln>
         </p:spPr>
         <p:style>
@@ -5476,10 +6308,10 @@
       </p:sp>
       <p:sp>
         <p:nvSpPr>
-          <p:cNvPr id="5" name="직사각형 4">
-            <a:extLst>
-              <a:ext uri="{FF2B5EF4-FFF2-40B4-BE49-F238E27FC236}">
-                <a16:creationId xmlns:a16="http://schemas.microsoft.com/office/drawing/2014/main" id="{E8E04470-02CC-4373-AF83-D3E0341ABE0D}"/>
+          <p:cNvPr id="2" name="직사각형 1">
+            <a:extLst>
+              <a:ext uri="{FF2B5EF4-FFF2-40B4-BE49-F238E27FC236}">
+                <a16:creationId xmlns:a16="http://schemas.microsoft.com/office/drawing/2014/main" id="{6AF66617-DD94-4FD6-A390-A664ED9DDF0F}"/>
               </a:ext>
             </a:extLst>
           </p:cNvPr>
@@ -5488,17 +6320,20 @@
         </p:nvSpPr>
         <p:spPr>
           <a:xfrm>
-            <a:off x="4974672" y="2374084"/>
-            <a:ext cx="2449585" cy="620785"/>
+            <a:off x="3768056" y="2311549"/>
+            <a:ext cx="2523687" cy="2234903"/>
           </a:xfrm>
           <a:prstGeom prst="rect">
             <a:avLst/>
           </a:prstGeom>
-          <a:noFill/>
-          <a:ln w="57150">
-            <a:solidFill>
-              <a:srgbClr val="FF0000"/>
-            </a:solidFill>
+          <a:solidFill>
+            <a:schemeClr val="accent2">
+              <a:lumMod val="60000"/>
+              <a:lumOff val="40000"/>
+            </a:schemeClr>
+          </a:solidFill>
+          <a:ln>
+            <a:noFill/>
           </a:ln>
         </p:spPr>
         <p:style>
@@ -5528,66 +6363,119 @@
       </p:sp>
       <p:sp>
         <p:nvSpPr>
-          <p:cNvPr id="6" name="직사각형 5">
-            <a:extLst>
-              <a:ext uri="{FF2B5EF4-FFF2-40B4-BE49-F238E27FC236}">
-                <a16:creationId xmlns:a16="http://schemas.microsoft.com/office/drawing/2014/main" id="{82672233-4B14-4BCD-93EC-81F890F432A4}"/>
-              </a:ext>
-            </a:extLst>
-          </p:cNvPr>
-          <p:cNvSpPr/>
+          <p:cNvPr id="12" name="TextBox 11">
+            <a:extLst>
+              <a:ext uri="{FF2B5EF4-FFF2-40B4-BE49-F238E27FC236}">
+                <a16:creationId xmlns:a16="http://schemas.microsoft.com/office/drawing/2014/main" id="{759C0D8E-1E5A-4229-AF16-F2902397D96B}"/>
+              </a:ext>
+            </a:extLst>
+          </p:cNvPr>
+          <p:cNvSpPr txBox="1"/>
           <p:nvPr/>
         </p:nvSpPr>
         <p:spPr>
           <a:xfrm>
-            <a:off x="7315028" y="2105637"/>
-            <a:ext cx="2242655" cy="369116"/>
+            <a:off x="2095319" y="1536174"/>
+            <a:ext cx="859531" cy="3785652"/>
           </a:xfrm>
           <a:prstGeom prst="rect">
             <a:avLst/>
           </a:prstGeom>
           <a:noFill/>
-          <a:ln w="57150">
-            <a:solidFill>
-              <a:srgbClr val="FF0000"/>
-            </a:solidFill>
-          </a:ln>
-        </p:spPr>
-        <p:style>
-          <a:lnRef idx="2">
-            <a:schemeClr val="accent1">
-              <a:shade val="50000"/>
-            </a:schemeClr>
-          </a:lnRef>
-          <a:fillRef idx="1">
-            <a:schemeClr val="accent1"/>
-          </a:fillRef>
-          <a:effectRef idx="0">
-            <a:schemeClr val="accent1"/>
-          </a:effectRef>
-          <a:fontRef idx="minor">
-            <a:schemeClr val="lt1"/>
-          </a:fontRef>
-        </p:style>
-        <p:txBody>
-          <a:bodyPr rtlCol="0" anchor="ctr"/>
-          <a:lstStyle/>
-          <a:p>
-            <a:pPr algn="ctr"/>
-            <a:endParaRPr lang="ko-KR" altLang="en-US"/>
+        </p:spPr>
+        <p:txBody>
+          <a:bodyPr wrap="none" rtlCol="0">
+            <a:spAutoFit/>
+          </a:bodyPr>
+          <a:lstStyle/>
+          <a:p>
+            <a:r>
+              <a:rPr lang="en-US" altLang="ko-KR" sz="8000" dirty="0"/>
+              <a:t>A</a:t>
+            </a:r>
+          </a:p>
+          <a:p>
+            <a:endParaRPr lang="en-US" altLang="ko-KR" sz="8000" dirty="0"/>
+          </a:p>
+          <a:p>
+            <a:r>
+              <a:rPr lang="en-US" altLang="ko-KR" sz="8000" dirty="0"/>
+              <a:t>B</a:t>
+            </a:r>
+          </a:p>
+        </p:txBody>
+      </p:sp>
+      <p:sp>
+        <p:nvSpPr>
+          <p:cNvPr id="17" name="TextBox 16">
+            <a:extLst>
+              <a:ext uri="{FF2B5EF4-FFF2-40B4-BE49-F238E27FC236}">
+                <a16:creationId xmlns:a16="http://schemas.microsoft.com/office/drawing/2014/main" id="{964A8BE3-A22A-4C92-A9B4-7D86EF252003}"/>
+              </a:ext>
+            </a:extLst>
+          </p:cNvPr>
+          <p:cNvSpPr txBox="1"/>
+          <p:nvPr/>
+        </p:nvSpPr>
+        <p:spPr>
+          <a:xfrm>
+            <a:off x="597223" y="435303"/>
+            <a:ext cx="2428870" cy="769441"/>
+          </a:xfrm>
+          <a:prstGeom prst="rect">
+            <a:avLst/>
+          </a:prstGeom>
+          <a:noFill/>
+        </p:spPr>
+        <p:txBody>
+          <a:bodyPr wrap="none" rtlCol="0">
+            <a:spAutoFit/>
+          </a:bodyPr>
+          <a:lstStyle/>
+          <a:p>
+            <a:r>
+              <a:rPr lang="en-US" altLang="ko-KR" sz="4400" dirty="0">
+                <a:solidFill>
+                  <a:srgbClr val="FF0000"/>
+                </a:solidFill>
+                <a:latin typeface="Californian FB" panose="0207040306080B030204" pitchFamily="18" charset="0"/>
+              </a:rPr>
+              <a:t>K</a:t>
+            </a:r>
+            <a:r>
+              <a:rPr lang="en-US" altLang="ko-KR" sz="4400" dirty="0">
+                <a:latin typeface="Californian FB" panose="0207040306080B030204" pitchFamily="18" charset="0"/>
+              </a:rPr>
+              <a:t>ey point</a:t>
+            </a:r>
+            <a:endParaRPr lang="ko-KR" altLang="en-US" sz="4400" dirty="0">
+              <a:latin typeface="Californian FB" panose="0207040306080B030204" pitchFamily="18" charset="0"/>
+            </a:endParaRPr>
           </a:p>
         </p:txBody>
       </p:sp>
     </p:spTree>
     <p:extLst>
       <p:ext uri="{BB962C8B-B14F-4D97-AF65-F5344CB8AC3E}">
-        <p14:creationId xmlns:p14="http://schemas.microsoft.com/office/powerpoint/2010/main" val="2645335436"/>
+        <p14:creationId xmlns:p14="http://schemas.microsoft.com/office/powerpoint/2010/main" val="1199797021"/>
       </p:ext>
     </p:extLst>
   </p:cSld>
   <p:clrMapOvr>
     <a:masterClrMapping/>
   </p:clrMapOvr>
+  <mc:AlternateContent xmlns:mc="http://schemas.openxmlformats.org/markup-compatibility/2006" xmlns:p159="http://schemas.microsoft.com/office/powerpoint/2015/09/main">
+    <mc:Choice Requires="p159">
+      <p:transition xmlns:p14="http://schemas.microsoft.com/office/powerpoint/2010/main" spd="slow" p14:dur="2000">
+        <p159:morph option="byObject"/>
+      </p:transition>
+    </mc:Choice>
+    <mc:Fallback xmlns="">
+      <p:transition spd="slow">
+        <p:fade/>
+      </p:transition>
+    </mc:Fallback>
+  </mc:AlternateContent>
 </p:sld>
 </file>
 
@@ -5608,48 +6496,12 @@
           <a:chExt cx="0" cy="0"/>
         </a:xfrm>
       </p:grpSpPr>
-      <p:pic>
-        <p:nvPicPr>
-          <p:cNvPr id="7" name="그림 6">
-            <a:extLst>
-              <a:ext uri="{FF2B5EF4-FFF2-40B4-BE49-F238E27FC236}">
-                <a16:creationId xmlns:a16="http://schemas.microsoft.com/office/drawing/2014/main" id="{2EE58FAA-105D-4ABD-87B1-2AADE18C3B16}"/>
-              </a:ext>
-            </a:extLst>
-          </p:cNvPr>
-          <p:cNvPicPr>
-            <a:picLocks noChangeAspect="1"/>
-          </p:cNvPicPr>
-          <p:nvPr/>
-        </p:nvPicPr>
-        <p:blipFill>
-          <a:blip r:embed="rId2">
-            <a:extLst>
-              <a:ext uri="{28A0092B-C50C-407E-A947-70E740481C1C}">
-                <a14:useLocalDpi xmlns:a14="http://schemas.microsoft.com/office/drawing/2010/main" val="0"/>
-              </a:ext>
-            </a:extLst>
-          </a:blip>
-          <a:stretch>
-            <a:fillRect/>
-          </a:stretch>
-        </p:blipFill>
-        <p:spPr>
-          <a:xfrm>
-            <a:off x="1945430" y="1515575"/>
-            <a:ext cx="8301140" cy="3826849"/>
-          </a:xfrm>
-          <a:prstGeom prst="rect">
-            <a:avLst/>
-          </a:prstGeom>
-        </p:spPr>
-      </p:pic>
-      <p:sp>
-        <p:nvSpPr>
-          <p:cNvPr id="9" name="TextBox 8">
-            <a:extLst>
-              <a:ext uri="{FF2B5EF4-FFF2-40B4-BE49-F238E27FC236}">
-                <a16:creationId xmlns:a16="http://schemas.microsoft.com/office/drawing/2014/main" id="{B2C1BA85-ACD3-466D-B788-3D6E7BFDD03D}"/>
+      <p:sp>
+        <p:nvSpPr>
+          <p:cNvPr id="3" name="TextBox 2">
+            <a:extLst>
+              <a:ext uri="{FF2B5EF4-FFF2-40B4-BE49-F238E27FC236}">
+                <a16:creationId xmlns:a16="http://schemas.microsoft.com/office/drawing/2014/main" id="{F0A21F32-9259-4AEC-92D5-88CFAA5DE76D}"/>
               </a:ext>
             </a:extLst>
           </p:cNvPr>
@@ -5658,8 +6510,8 @@
         </p:nvSpPr>
         <p:spPr>
           <a:xfrm>
-            <a:off x="597223" y="435303"/>
-            <a:ext cx="3964547" cy="769441"/>
+            <a:off x="3010059" y="3044279"/>
+            <a:ext cx="6171882" cy="769441"/>
           </a:xfrm>
           <a:prstGeom prst="rect">
             <a:avLst/>
@@ -5679,19 +6531,43 @@
                 </a:solidFill>
                 <a:latin typeface="Californian FB" panose="0207040306080B030204" pitchFamily="18" charset="0"/>
               </a:rPr>
-              <a:t>M</a:t>
+              <a:t>J</a:t>
             </a:r>
             <a:r>
               <a:rPr lang="en-US" altLang="ko-KR" sz="4400" dirty="0">
                 <a:latin typeface="Californian FB" panose="0207040306080B030204" pitchFamily="18" charset="0"/>
               </a:rPr>
-              <a:t>echanical </a:t>
-            </a:r>
-            <a:r>
-              <a:rPr lang="en-US" altLang="ko-KR" sz="4400" dirty="0" err="1">
+              <a:t>ust </a:t>
+            </a:r>
+            <a:r>
+              <a:rPr lang="en-US" altLang="ko-KR" sz="4400" dirty="0">
+                <a:solidFill>
+                  <a:srgbClr val="FF0000"/>
+                </a:solidFill>
                 <a:latin typeface="Californian FB" panose="0207040306080B030204" pitchFamily="18" charset="0"/>
               </a:rPr>
-              <a:t>truk</a:t>
+              <a:t>N</a:t>
+            </a:r>
+            <a:r>
+              <a:rPr lang="en-US" altLang="ko-KR" sz="4400" dirty="0">
+                <a:latin typeface="Californian FB" panose="0207040306080B030204" pitchFamily="18" charset="0"/>
+              </a:rPr>
+              <a:t>oticeable </a:t>
+            </a:r>
+            <a:r>
+              <a:rPr lang="en-US" altLang="ko-KR" sz="4400" dirty="0">
+                <a:solidFill>
+                  <a:srgbClr val="FF0000"/>
+                </a:solidFill>
+                <a:latin typeface="Californian FB" panose="0207040306080B030204" pitchFamily="18" charset="0"/>
+              </a:rPr>
+              <a:t>D</a:t>
+            </a:r>
+            <a:r>
+              <a:rPr lang="en-US" altLang="ko-KR" sz="4400" dirty="0">
+                <a:latin typeface="Californian FB" panose="0207040306080B030204" pitchFamily="18" charset="0"/>
+              </a:rPr>
+              <a:t>ifference</a:t>
             </a:r>
             <a:endParaRPr lang="ko-KR" altLang="en-US" sz="4400" dirty="0">
               <a:latin typeface="Californian FB" panose="0207040306080B030204" pitchFamily="18" charset="0"/>
@@ -5702,7 +6578,7 @@
     </p:spTree>
     <p:extLst>
       <p:ext uri="{BB962C8B-B14F-4D97-AF65-F5344CB8AC3E}">
-        <p14:creationId xmlns:p14="http://schemas.microsoft.com/office/powerpoint/2010/main" val="389472454"/>
+        <p14:creationId xmlns:p14="http://schemas.microsoft.com/office/powerpoint/2010/main" val="2776754338"/>
       </p:ext>
     </p:extLst>
   </p:cSld>
